--- a/slides/cds431_week8_1.pptx
+++ b/slides/cds431_week8_1.pptx
@@ -124,6 +124,11 @@
       </a:defRPr>
     </a:lvl9pPr>
   </p:defaultTextStyle>
+  <p:extLst>
+    <p:ext uri="{EFAFB233-063F-42B5-8137-9DF3F51BA10A}">
+      <p15:sldGuideLst xmlns:p15="http://schemas.microsoft.com/office/powerpoint/2012/main"/>
+    </p:ext>
+  </p:extLst>
 </p:presentation>
 </file>
 
@@ -5901,8 +5906,8 @@
       </dsp:nvSpPr>
       <dsp:spPr>
         <a:xfrm>
-          <a:off x="0" y="131527"/>
-          <a:ext cx="7187878" cy="561599"/>
+          <a:off x="0" y="47557"/>
+          <a:ext cx="7187878" cy="575639"/>
         </a:xfrm>
         <a:prstGeom prst="roundRect">
           <a:avLst/>
@@ -5996,8 +6001,8 @@
         </a:p>
       </dsp:txBody>
       <dsp:txXfrm>
-        <a:off x="27415" y="158942"/>
-        <a:ext cx="7133048" cy="506769"/>
+        <a:off x="28100" y="75657"/>
+        <a:ext cx="7131678" cy="519439"/>
       </dsp:txXfrm>
     </dsp:sp>
     <dsp:sp modelId="{E4F5DBBD-A244-374D-B6DF-2DAFA5B4BF56}">
@@ -6007,7 +6012,7 @@
       </dsp:nvSpPr>
       <dsp:spPr>
         <a:xfrm>
-          <a:off x="0" y="693127"/>
+          <a:off x="0" y="623197"/>
           <a:ext cx="7187878" cy="397440"/>
         </a:xfrm>
         <a:prstGeom prst="rect">
@@ -6056,7 +6061,7 @@
         </a:p>
       </dsp:txBody>
       <dsp:txXfrm>
-        <a:off x="0" y="693127"/>
+        <a:off x="0" y="623197"/>
         <a:ext cx="7187878" cy="397440"/>
       </dsp:txXfrm>
     </dsp:sp>
@@ -6067,8 +6072,8 @@
       </dsp:nvSpPr>
       <dsp:spPr>
         <a:xfrm>
-          <a:off x="0" y="1090567"/>
-          <a:ext cx="7187878" cy="561599"/>
+          <a:off x="0" y="1020637"/>
+          <a:ext cx="7187878" cy="575639"/>
         </a:xfrm>
         <a:prstGeom prst="roundRect">
           <a:avLst/>
@@ -6162,8 +6167,8 @@
         </a:p>
       </dsp:txBody>
       <dsp:txXfrm>
-        <a:off x="27415" y="1117982"/>
-        <a:ext cx="7133048" cy="506769"/>
+        <a:off x="28100" y="1048737"/>
+        <a:ext cx="7131678" cy="519439"/>
       </dsp:txXfrm>
     </dsp:sp>
     <dsp:sp modelId="{0D96D03A-F710-6349-AF3F-A95911CB108E}">
@@ -6173,7 +6178,7 @@
       </dsp:nvSpPr>
       <dsp:spPr>
         <a:xfrm>
-          <a:off x="0" y="1652167"/>
+          <a:off x="0" y="1596277"/>
           <a:ext cx="7187878" cy="397440"/>
         </a:xfrm>
         <a:prstGeom prst="rect">
@@ -6222,7 +6227,7 @@
         </a:p>
       </dsp:txBody>
       <dsp:txXfrm>
-        <a:off x="0" y="1652167"/>
+        <a:off x="0" y="1596277"/>
         <a:ext cx="7187878" cy="397440"/>
       </dsp:txXfrm>
     </dsp:sp>
@@ -6233,8 +6238,8 @@
       </dsp:nvSpPr>
       <dsp:spPr>
         <a:xfrm>
-          <a:off x="0" y="2049607"/>
-          <a:ext cx="7187878" cy="561599"/>
+          <a:off x="0" y="1993717"/>
+          <a:ext cx="7187878" cy="575639"/>
         </a:xfrm>
         <a:prstGeom prst="roundRect">
           <a:avLst/>
@@ -6328,8 +6333,8 @@
         </a:p>
       </dsp:txBody>
       <dsp:txXfrm>
-        <a:off x="27415" y="2077022"/>
-        <a:ext cx="7133048" cy="506769"/>
+        <a:off x="28100" y="2021817"/>
+        <a:ext cx="7131678" cy="519439"/>
       </dsp:txXfrm>
     </dsp:sp>
     <dsp:sp modelId="{CA479577-E0EC-6347-A878-807F3225C42B}">
@@ -6339,8 +6344,8 @@
       </dsp:nvSpPr>
       <dsp:spPr>
         <a:xfrm>
-          <a:off x="0" y="2611207"/>
-          <a:ext cx="7187878" cy="1167480"/>
+          <a:off x="0" y="2569357"/>
+          <a:ext cx="7187878" cy="1242000"/>
         </a:xfrm>
         <a:prstGeom prst="rect">
           <a:avLst/>
@@ -6424,8 +6429,8 @@
         </a:p>
       </dsp:txBody>
       <dsp:txXfrm>
-        <a:off x="0" y="2611207"/>
-        <a:ext cx="7187878" cy="1167480"/>
+        <a:off x="0" y="2569357"/>
+        <a:ext cx="7187878" cy="1242000"/>
       </dsp:txXfrm>
     </dsp:sp>
     <dsp:sp modelId="{ABB1170C-34A8-694C-A069-C447CA2A313A}">
@@ -6435,8 +6440,8 @@
       </dsp:nvSpPr>
       <dsp:spPr>
         <a:xfrm>
-          <a:off x="0" y="3778687"/>
-          <a:ext cx="7187878" cy="561599"/>
+          <a:off x="0" y="3811357"/>
+          <a:ext cx="7187878" cy="575639"/>
         </a:xfrm>
         <a:prstGeom prst="roundRect">
           <a:avLst/>
@@ -6530,8 +6535,8 @@
         </a:p>
       </dsp:txBody>
       <dsp:txXfrm>
-        <a:off x="27415" y="3806102"/>
-        <a:ext cx="7133048" cy="506769"/>
+        <a:off x="28100" y="3839457"/>
+        <a:ext cx="7131678" cy="519439"/>
       </dsp:txXfrm>
     </dsp:sp>
     <dsp:sp modelId="{08AA77E9-873A-C44F-BDDF-4CE270BC6877}">
@@ -6541,8 +6546,8 @@
       </dsp:nvSpPr>
       <dsp:spPr>
         <a:xfrm>
-          <a:off x="0" y="4340287"/>
-          <a:ext cx="7187878" cy="558900"/>
+          <a:off x="0" y="4386997"/>
+          <a:ext cx="7187878" cy="596160"/>
         </a:xfrm>
         <a:prstGeom prst="rect">
           <a:avLst/>
@@ -6590,8 +6595,8 @@
         </a:p>
       </dsp:txBody>
       <dsp:txXfrm>
-        <a:off x="0" y="4340287"/>
-        <a:ext cx="7187878" cy="558900"/>
+        <a:off x="0" y="4386997"/>
+        <a:ext cx="7187878" cy="596160"/>
       </dsp:txXfrm>
     </dsp:sp>
   </dsp:spTree>
@@ -6738,7 +6743,7 @@
         </a:bodyPr>
         <a:lstStyle/>
         <a:p>
-          <a:pPr marL="0" lvl="0" indent="0" algn="ctr" defTabSz="889000">
+          <a:pPr marL="0" lvl="0" indent="0" algn="ctr" defTabSz="844550">
             <a:lnSpc>
               <a:spcPct val="90000"/>
             </a:lnSpc>
@@ -6750,7 +6755,7 @@
             </a:spcAft>
             <a:buNone/>
           </a:pPr>
-          <a:endParaRPr lang="en-US" sz="2000" kern="1200"/>
+          <a:endParaRPr lang="en-US" sz="1900" kern="1200"/>
         </a:p>
       </dsp:txBody>
       <dsp:txXfrm>
@@ -6890,7 +6895,7 @@
         </a:bodyPr>
         <a:lstStyle/>
         <a:p>
-          <a:pPr marL="0" lvl="0" indent="0" algn="ctr" defTabSz="889000">
+          <a:pPr marL="0" lvl="0" indent="0" algn="ctr" defTabSz="844550">
             <a:lnSpc>
               <a:spcPct val="90000"/>
             </a:lnSpc>
@@ -6902,7 +6907,7 @@
             </a:spcAft>
             <a:buNone/>
           </a:pPr>
-          <a:endParaRPr lang="en-US" sz="2000" kern="1200"/>
+          <a:endParaRPr lang="en-US" sz="1900" kern="1200"/>
         </a:p>
       </dsp:txBody>
       <dsp:txXfrm>
@@ -14360,7 +14365,7 @@
           <a:p>
             <a:fld id="{F80B9AB8-4135-E341-B6C0-95AB99F77C00}" type="datetimeFigureOut">
               <a:rPr lang="en-US" smtClean="0"/>
-              <a:t>1/4/22</a:t>
+              <a:t>5/12/22</a:t>
             </a:fld>
             <a:endParaRPr lang="en-US"/>
           </a:p>
@@ -15362,7 +15367,7 @@
           <a:p>
             <a:fld id="{5CDB6E8A-A5A4-E849-9CC4-8725F475AD68}" type="datetimeFigureOut">
               <a:rPr lang="en-US" smtClean="0"/>
-              <a:t>1/4/22</a:t>
+              <a:t>5/12/22</a:t>
             </a:fld>
             <a:endParaRPr lang="en-US"/>
           </a:p>
@@ -15560,7 +15565,7 @@
           <a:p>
             <a:fld id="{5CDB6E8A-A5A4-E849-9CC4-8725F475AD68}" type="datetimeFigureOut">
               <a:rPr lang="en-US" smtClean="0"/>
-              <a:t>1/4/22</a:t>
+              <a:t>5/12/22</a:t>
             </a:fld>
             <a:endParaRPr lang="en-US"/>
           </a:p>
@@ -15768,7 +15773,7 @@
           <a:p>
             <a:fld id="{5CDB6E8A-A5A4-E849-9CC4-8725F475AD68}" type="datetimeFigureOut">
               <a:rPr lang="en-US" smtClean="0"/>
-              <a:t>1/4/22</a:t>
+              <a:t>5/12/22</a:t>
             </a:fld>
             <a:endParaRPr lang="en-US"/>
           </a:p>
@@ -15966,7 +15971,7 @@
           <a:p>
             <a:fld id="{5CDB6E8A-A5A4-E849-9CC4-8725F475AD68}" type="datetimeFigureOut">
               <a:rPr lang="en-US" smtClean="0"/>
-              <a:t>1/4/22</a:t>
+              <a:t>5/12/22</a:t>
             </a:fld>
             <a:endParaRPr lang="en-US"/>
           </a:p>
@@ -16241,7 +16246,7 @@
           <a:p>
             <a:fld id="{5CDB6E8A-A5A4-E849-9CC4-8725F475AD68}" type="datetimeFigureOut">
               <a:rPr lang="en-US" smtClean="0"/>
-              <a:t>1/4/22</a:t>
+              <a:t>5/12/22</a:t>
             </a:fld>
             <a:endParaRPr lang="en-US"/>
           </a:p>
@@ -16506,7 +16511,7 @@
           <a:p>
             <a:fld id="{5CDB6E8A-A5A4-E849-9CC4-8725F475AD68}" type="datetimeFigureOut">
               <a:rPr lang="en-US" smtClean="0"/>
-              <a:t>1/4/22</a:t>
+              <a:t>5/12/22</a:t>
             </a:fld>
             <a:endParaRPr lang="en-US"/>
           </a:p>
@@ -16918,7 +16923,7 @@
           <a:p>
             <a:fld id="{5CDB6E8A-A5A4-E849-9CC4-8725F475AD68}" type="datetimeFigureOut">
               <a:rPr lang="en-US" smtClean="0"/>
-              <a:t>1/4/22</a:t>
+              <a:t>5/12/22</a:t>
             </a:fld>
             <a:endParaRPr lang="en-US"/>
           </a:p>
@@ -17059,7 +17064,7 @@
           <a:p>
             <a:fld id="{5CDB6E8A-A5A4-E849-9CC4-8725F475AD68}" type="datetimeFigureOut">
               <a:rPr lang="en-US" smtClean="0"/>
-              <a:t>1/4/22</a:t>
+              <a:t>5/12/22</a:t>
             </a:fld>
             <a:endParaRPr lang="en-US"/>
           </a:p>
@@ -17172,7 +17177,7 @@
           <a:p>
             <a:fld id="{5CDB6E8A-A5A4-E849-9CC4-8725F475AD68}" type="datetimeFigureOut">
               <a:rPr lang="en-US" smtClean="0"/>
-              <a:t>1/4/22</a:t>
+              <a:t>5/12/22</a:t>
             </a:fld>
             <a:endParaRPr lang="en-US"/>
           </a:p>
@@ -17483,7 +17488,7 @@
           <a:p>
             <a:fld id="{5CDB6E8A-A5A4-E849-9CC4-8725F475AD68}" type="datetimeFigureOut">
               <a:rPr lang="en-US" smtClean="0"/>
-              <a:t>1/4/22</a:t>
+              <a:t>5/12/22</a:t>
             </a:fld>
             <a:endParaRPr lang="en-US"/>
           </a:p>
@@ -17771,7 +17776,7 @@
           <a:p>
             <a:fld id="{5CDB6E8A-A5A4-E849-9CC4-8725F475AD68}" type="datetimeFigureOut">
               <a:rPr lang="en-US" smtClean="0"/>
-              <a:t>1/4/22</a:t>
+              <a:t>5/12/22</a:t>
             </a:fld>
             <a:endParaRPr lang="en-US"/>
           </a:p>
@@ -18042,7 +18047,7 @@
           <a:p>
             <a:fld id="{5CDB6E8A-A5A4-E849-9CC4-8725F475AD68}" type="datetimeFigureOut">
               <a:rPr lang="en-US" smtClean="0"/>
-              <a:t>1/4/22</a:t>
+              <a:t>5/12/22</a:t>
             </a:fld>
             <a:endParaRPr lang="en-US"/>
           </a:p>
@@ -22177,7 +22182,7 @@
             </a:pPr>
             <a:r>
               <a:rPr lang="en-US" sz="2500" i="1" dirty="0"/>
-              <a:t>The client was asked to name 5 items from a given category. Vs.  The client named 5 items from 10 different categories.</a:t>
+              <a:t>The client was asked to name 5 items from a given category. Vs. The client named 5 items from 10 different categories.</a:t>
             </a:r>
           </a:p>
           <a:p>
@@ -22187,7 +22192,7 @@
             </a:pPr>
             <a:r>
               <a:rPr lang="en-US" dirty="0"/>
-              <a:t>Use active verbs to describe what you did:  </a:t>
+              <a:t>Use active verbs to describe what you did: </a:t>
             </a:r>
             <a:r>
               <a:rPr lang="en-US" b="1" dirty="0"/>
